--- a/projet inf.pptx
+++ b/projet inf.pptx
@@ -4315,7 +4315,11 @@
           <a:bodyPr/>
           <a:lstStyle/>
           <a:p>
-            <a:endParaRPr lang="fr-FR"/>
+            <a:r>
+              <a:rPr lang="fr-FR" dirty="0" smtClean="0"/>
+              <a:t>Efficacité temporelle</a:t>
+            </a:r>
+            <a:endParaRPr lang="fr-FR" dirty="0"/>
           </a:p>
         </p:txBody>
       </p:sp>
@@ -4334,7 +4338,86 @@
           <a:bodyPr/>
           <a:lstStyle/>
           <a:p>
-            <a:endParaRPr lang="fr-FR"/>
+            <a:pPr marL="0" indent="0">
+              <a:buNone/>
+            </a:pPr>
+            <a:endParaRPr lang="fr-FR" dirty="0"/>
+          </a:p>
+          <a:p>
+            <a:r>
+              <a:rPr lang="fr-FR" dirty="0" smtClean="0"/>
+              <a:t>Backtracking : 		</a:t>
+            </a:r>
+            <a:r>
+              <a:rPr lang="fr-FR" dirty="0" err="1" smtClean="0"/>
+              <a:t>t</a:t>
+            </a:r>
+            <a:r>
+              <a:rPr lang="fr-FR" baseline="-25000" dirty="0" err="1" smtClean="0"/>
+              <a:t>moy</a:t>
+            </a:r>
+            <a:r>
+              <a:rPr lang="fr-FR" dirty="0" smtClean="0"/>
+              <a:t>=</a:t>
+            </a:r>
+          </a:p>
+          <a:p>
+            <a:endParaRPr lang="fr-FR" dirty="0" smtClean="0"/>
+          </a:p>
+          <a:p>
+            <a:r>
+              <a:rPr lang="fr-FR" dirty="0" smtClean="0"/>
+              <a:t>X de Knuth : 		</a:t>
+            </a:r>
+            <a:r>
+              <a:rPr lang="fr-FR" dirty="0" err="1" smtClean="0"/>
+              <a:t>t</a:t>
+            </a:r>
+            <a:r>
+              <a:rPr lang="fr-FR" baseline="-25000" dirty="0" err="1" smtClean="0"/>
+              <a:t>moy</a:t>
+            </a:r>
+            <a:r>
+              <a:rPr lang="fr-FR" dirty="0" smtClean="0"/>
+              <a:t>=</a:t>
+            </a:r>
+          </a:p>
+          <a:p>
+            <a:endParaRPr lang="fr-FR" dirty="0" smtClean="0"/>
+          </a:p>
+          <a:p>
+            <a:r>
+              <a:rPr lang="fr-FR" dirty="0" smtClean="0"/>
+              <a:t>Génération : 		</a:t>
+            </a:r>
+            <a:r>
+              <a:rPr lang="fr-FR" dirty="0" err="1" smtClean="0"/>
+              <a:t>t</a:t>
+            </a:r>
+            <a:r>
+              <a:rPr lang="fr-FR" baseline="-25000" dirty="0" err="1" smtClean="0"/>
+              <a:t>moy</a:t>
+            </a:r>
+            <a:r>
+              <a:rPr lang="fr-FR" dirty="0" smtClean="0"/>
+              <a:t>=</a:t>
+            </a:r>
+          </a:p>
+          <a:p>
+            <a:pPr marL="0" indent="0">
+              <a:buNone/>
+            </a:pPr>
+            <a:endParaRPr lang="fr-FR" dirty="0" smtClean="0"/>
+          </a:p>
+          <a:p>
+            <a:pPr marL="0" indent="0" algn="ctr">
+              <a:buNone/>
+            </a:pPr>
+            <a:r>
+              <a:rPr lang="fr-FR" sz="1400" dirty="0" smtClean="0"/>
+              <a:t>Test effectué sur la génération de 1000 grilles aléatoire et de leur résolution par les deux algorithmes</a:t>
+            </a:r>
+            <a:endParaRPr lang="fr-FR" dirty="0"/>
           </a:p>
         </p:txBody>
       </p:sp>
@@ -4736,7 +4819,7 @@
           <a:graphicData uri="http://schemas.openxmlformats.org/presentationml/2006/ole">
             <mc:AlternateContent xmlns:mc="http://schemas.openxmlformats.org/markup-compatibility/2006">
               <mc:Choice xmlns:v="urn:schemas-microsoft-com:vml" Requires="v">
-                <p:oleObj spid="_x0000_s1043" name="…quation" r:id="rId3" imgW="571500" imgH="355600" progId="Equation.3">
+                <p:oleObj spid="_x0000_s1047" name="…quation" r:id="rId3" imgW="571500" imgH="355600" progId="Equation.3">
                   <p:embed/>
                 </p:oleObj>
               </mc:Choice>
@@ -4793,7 +4876,7 @@
           <a:graphicData uri="http://schemas.openxmlformats.org/presentationml/2006/ole">
             <mc:AlternateContent xmlns:mc="http://schemas.openxmlformats.org/markup-compatibility/2006">
               <mc:Choice xmlns:v="urn:schemas-microsoft-com:vml" Requires="v">
-                <p:oleObj spid="_x0000_s1044" name="…quation" r:id="rId5" imgW="584200" imgH="355600" progId="Equation.3">
+                <p:oleObj spid="_x0000_s1048" name="…quation" r:id="rId5" imgW="584200" imgH="355600" progId="Equation.3">
                   <p:embed/>
                 </p:oleObj>
               </mc:Choice>
@@ -7573,7 +7656,23 @@
             <a:pPr lvl="1"/>
             <a:r>
               <a:rPr lang="fr-FR" dirty="0" smtClean="0"/>
-              <a:t>On prend un tableau n2 x n2 vide</a:t>
+              <a:t>On prend un tableau n</a:t>
+            </a:r>
+            <a:r>
+              <a:rPr lang="fr-FR" baseline="30000" dirty="0" smtClean="0"/>
+              <a:t>2</a:t>
+            </a:r>
+            <a:r>
+              <a:rPr lang="fr-FR" dirty="0" smtClean="0"/>
+              <a:t> x n</a:t>
+            </a:r>
+            <a:r>
+              <a:rPr lang="fr-FR" baseline="30000" dirty="0" smtClean="0"/>
+              <a:t>2</a:t>
+            </a:r>
+            <a:r>
+              <a:rPr lang="fr-FR" dirty="0" smtClean="0"/>
+              <a:t> vide</a:t>
             </a:r>
           </a:p>
           <a:p>

--- a/projet inf.pptx
+++ b/projet inf.pptx
@@ -4335,7 +4335,9 @@
         </p:nvSpPr>
         <p:spPr/>
         <p:txBody>
-          <a:bodyPr/>
+          <a:bodyPr>
+            <a:normAutofit/>
+          </a:bodyPr>
           <a:lstStyle/>
           <a:p>
             <a:pPr marL="0" indent="0">
@@ -4358,8 +4360,17 @@
             </a:r>
             <a:r>
               <a:rPr lang="fr-FR" dirty="0" smtClean="0"/>
-              <a:t>=</a:t>
-            </a:r>
+              <a:t>= </a:t>
+            </a:r>
+            <a:r>
+              <a:rPr lang="fr-FR" dirty="0" smtClean="0"/>
+              <a:t>47.357 </a:t>
+            </a:r>
+            <a:r>
+              <a:rPr lang="fr-FR" dirty="0"/>
+              <a:t>ms</a:t>
+            </a:r>
+            <a:endParaRPr lang="fr-FR" dirty="0" smtClean="0"/>
           </a:p>
           <a:p>
             <a:endParaRPr lang="fr-FR" dirty="0" smtClean="0"/>
@@ -4379,8 +4390,17 @@
             </a:r>
             <a:r>
               <a:rPr lang="fr-FR" dirty="0" smtClean="0"/>
-              <a:t>=</a:t>
-            </a:r>
+              <a:t>= </a:t>
+            </a:r>
+            <a:r>
+              <a:rPr lang="fr-FR" dirty="0" smtClean="0"/>
+              <a:t>0.081969 </a:t>
+            </a:r>
+            <a:r>
+              <a:rPr lang="fr-FR" dirty="0"/>
+              <a:t>ms</a:t>
+            </a:r>
+            <a:endParaRPr lang="fr-FR" dirty="0" smtClean="0"/>
           </a:p>
           <a:p>
             <a:endParaRPr lang="fr-FR" dirty="0" smtClean="0"/>
@@ -4400,22 +4420,43 @@
             </a:r>
             <a:r>
               <a:rPr lang="fr-FR" dirty="0" smtClean="0"/>
-              <a:t>=</a:t>
-            </a:r>
+              <a:t>= </a:t>
+            </a:r>
+            <a:r>
+              <a:rPr lang="fr-FR" dirty="0" smtClean="0"/>
+              <a:t>17.998 </a:t>
+            </a:r>
+            <a:r>
+              <a:rPr lang="fr-FR" dirty="0"/>
+              <a:t>ms</a:t>
+            </a:r>
+            <a:endParaRPr lang="fr-FR" dirty="0" smtClean="0"/>
           </a:p>
           <a:p>
             <a:pPr marL="0" indent="0">
               <a:buNone/>
             </a:pPr>
-            <a:endParaRPr lang="fr-FR" dirty="0" smtClean="0"/>
-          </a:p>
-          <a:p>
-            <a:pPr marL="0" indent="0" algn="ctr">
+            <a:endParaRPr lang="fr-FR" sz="1400" dirty="0" smtClean="0"/>
+          </a:p>
+          <a:p>
+            <a:pPr marL="0" indent="0">
               <a:buNone/>
             </a:pPr>
             <a:r>
               <a:rPr lang="fr-FR" sz="1400" dirty="0" smtClean="0"/>
-              <a:t>Test effectué sur la génération de 1000 grilles aléatoire et de leur résolution par les deux algorithmes</a:t>
+              <a:t>Valeurs moyennes par grille. Test </a:t>
+            </a:r>
+            <a:r>
+              <a:rPr lang="fr-FR" sz="1400" dirty="0" smtClean="0"/>
+              <a:t>effectué sur la génération de 1000 </a:t>
+            </a:r>
+            <a:r>
+              <a:rPr lang="fr-FR" sz="1400" dirty="0" smtClean="0"/>
+              <a:t>grilles minimales aléatoires </a:t>
+            </a:r>
+            <a:r>
+              <a:rPr lang="fr-FR" sz="1400" dirty="0" smtClean="0"/>
+              <a:t>et de leur résolution par les deux algorithmes</a:t>
             </a:r>
             <a:endParaRPr lang="fr-FR" dirty="0"/>
           </a:p>
@@ -4741,7 +4782,15 @@
             <a:pPr lvl="1"/>
             <a:r>
               <a:rPr lang="fr-FR" sz="2400" dirty="0" smtClean="0"/>
-              <a:t>S* un sous ensemble de S. </a:t>
+              <a:t>S* un </a:t>
+            </a:r>
+            <a:r>
+              <a:rPr lang="fr-FR" sz="2400" dirty="0" smtClean="0"/>
+              <a:t>sous-ensemble </a:t>
+            </a:r>
+            <a:r>
+              <a:rPr lang="fr-FR" sz="2400" dirty="0" smtClean="0"/>
+              <a:t>de S. </a:t>
             </a:r>
           </a:p>
           <a:p>
@@ -4751,7 +4800,15 @@
           <a:p>
             <a:r>
               <a:rPr lang="fr-FR" dirty="0" smtClean="0"/>
-              <a:t>S* est dit une couverture </a:t>
+              <a:t>S* est </a:t>
+            </a:r>
+            <a:r>
+              <a:rPr lang="fr-FR" dirty="0" smtClean="0"/>
+              <a:t>appelé une </a:t>
+            </a:r>
+            <a:r>
+              <a:rPr lang="fr-FR" dirty="0" smtClean="0"/>
+              <a:t>couverture </a:t>
             </a:r>
             <a:r>
               <a:rPr lang="fr-FR" i="1" dirty="0" smtClean="0"/>
@@ -4819,7 +4876,7 @@
           <a:graphicData uri="http://schemas.openxmlformats.org/presentationml/2006/ole">
             <mc:AlternateContent xmlns:mc="http://schemas.openxmlformats.org/markup-compatibility/2006">
               <mc:Choice xmlns:v="urn:schemas-microsoft-com:vml" Requires="v">
-                <p:oleObj spid="_x0000_s1047" name="…quation" r:id="rId3" imgW="571500" imgH="355600" progId="Equation.3">
+                <p:oleObj spid="_x0000_s1060" name="…quation" r:id="rId3" imgW="571500" imgH="355600" progId="Equation.3">
                   <p:embed/>
                 </p:oleObj>
               </mc:Choice>
@@ -4876,7 +4933,7 @@
           <a:graphicData uri="http://schemas.openxmlformats.org/presentationml/2006/ole">
             <mc:AlternateContent xmlns:mc="http://schemas.openxmlformats.org/markup-compatibility/2006">
               <mc:Choice xmlns:v="urn:schemas-microsoft-com:vml" Requires="v">
-                <p:oleObj spid="_x0000_s1048" name="…quation" r:id="rId5" imgW="584200" imgH="355600" progId="Equation.3">
+                <p:oleObj spid="_x0000_s1061" name="…quation" r:id="rId5" imgW="584200" imgH="355600" progId="Equation.3">
                   <p:embed/>
                 </p:oleObj>
               </mc:Choice>
@@ -6562,11 +6619,7 @@
             <a:pPr lvl="1"/>
             <a:r>
               <a:rPr lang="fr-FR" dirty="0" smtClean="0"/>
-              <a:t>Liste doublement cha</a:t>
-            </a:r>
-            <a:r>
-              <a:rPr lang="fr-FR" dirty="0" smtClean="0"/>
-              <a:t>înées</a:t>
+              <a:t>Liste doublement chaînées</a:t>
             </a:r>
           </a:p>
           <a:p>
@@ -7649,7 +7702,11 @@
           <a:p>
             <a:r>
               <a:rPr lang="fr-FR" dirty="0" smtClean="0"/>
-              <a:t>Backtracking à la création :</a:t>
+              <a:t>Backtracking randomisé </a:t>
+            </a:r>
+            <a:r>
+              <a:rPr lang="fr-FR" dirty="0" smtClean="0"/>
+              <a:t>à la création :</a:t>
             </a:r>
           </a:p>
           <a:p>
@@ -7679,7 +7736,23 @@
             <a:pPr lvl="1"/>
             <a:r>
               <a:rPr lang="fr-FR" dirty="0" smtClean="0"/>
-              <a:t>On la prend dans le sens de lecture, on créé une liste [1,n</a:t>
+              <a:t>On </a:t>
+            </a:r>
+            <a:r>
+              <a:rPr lang="fr-FR" dirty="0" smtClean="0"/>
+              <a:t>le </a:t>
+            </a:r>
+            <a:r>
+              <a:rPr lang="fr-FR" dirty="0" smtClean="0"/>
+              <a:t>prend dans le sens de lecture, on </a:t>
+            </a:r>
+            <a:r>
+              <a:rPr lang="fr-FR" dirty="0" smtClean="0"/>
+              <a:t>crée </a:t>
+            </a:r>
+            <a:r>
+              <a:rPr lang="fr-FR" dirty="0" smtClean="0"/>
+              <a:t>une liste [1,n</a:t>
             </a:r>
             <a:r>
               <a:rPr lang="fr-FR" baseline="30000" dirty="0" smtClean="0"/>
@@ -7687,7 +7760,23 @@
             </a:r>
             <a:r>
               <a:rPr lang="fr-FR" dirty="0" smtClean="0"/>
-              <a:t>], on y enlève aléatoirement un élément que l’on met dedans, si le sudoku est valide, on passe à la case suivante, sinon on revient en arrière.</a:t>
+              <a:t>], on y enlève aléatoirement un élément que l’on met </a:t>
+            </a:r>
+            <a:r>
+              <a:rPr lang="fr-FR" dirty="0" smtClean="0"/>
+              <a:t>dans la case. </a:t>
+            </a:r>
+            <a:r>
+              <a:rPr lang="fr-FR" dirty="0" smtClean="0"/>
+              <a:t>S</a:t>
+            </a:r>
+            <a:r>
+              <a:rPr lang="fr-FR" dirty="0" smtClean="0"/>
+              <a:t>i </a:t>
+            </a:r>
+            <a:r>
+              <a:rPr lang="fr-FR" dirty="0" smtClean="0"/>
+              <a:t>le sudoku est valide, on passe à la case suivante, sinon on revient en arrière.</a:t>
             </a:r>
           </a:p>
           <a:p>
@@ -7776,14 +7865,86 @@
             <a:pPr lvl="1"/>
             <a:r>
               <a:rPr lang="fr-FR" dirty="0" smtClean="0"/>
-              <a:t>On prend la grille, on ajoute tous les éléments de celle-ci dans une liste.</a:t>
+              <a:t>On prend la </a:t>
+            </a:r>
+            <a:r>
+              <a:rPr lang="fr-FR" dirty="0" smtClean="0"/>
+              <a:t>grille remplie, </a:t>
+            </a:r>
+            <a:r>
+              <a:rPr lang="fr-FR" dirty="0" smtClean="0"/>
+              <a:t>on ajoute </a:t>
+            </a:r>
+            <a:r>
+              <a:rPr lang="fr-FR" dirty="0" smtClean="0"/>
+              <a:t>toutes les cases de </a:t>
+            </a:r>
+            <a:r>
+              <a:rPr lang="fr-FR" dirty="0" smtClean="0"/>
+              <a:t>celle-ci dans une liste.</a:t>
             </a:r>
           </a:p>
           <a:p>
             <a:pPr lvl="1"/>
             <a:r>
               <a:rPr lang="fr-FR" dirty="0" smtClean="0"/>
-              <a:t>On enlève aléatoirement un élément de cette liste, on teste la grille en enlevant l’élément de la grille, si cela fonctionne on continue, sinon on réinsère l’élément dans la grille mais pas dans la liste.</a:t>
+              <a:t>On enlève aléatoirement </a:t>
+            </a:r>
+            <a:r>
+              <a:rPr lang="fr-FR" dirty="0" smtClean="0"/>
+              <a:t>une case de </a:t>
+            </a:r>
+            <a:r>
+              <a:rPr lang="fr-FR" dirty="0" smtClean="0"/>
+              <a:t>cette </a:t>
+            </a:r>
+            <a:r>
+              <a:rPr lang="fr-FR" dirty="0" smtClean="0"/>
+              <a:t>liste</a:t>
+            </a:r>
+            <a:r>
+              <a:rPr lang="fr-FR" dirty="0"/>
+              <a:t> </a:t>
+            </a:r>
+            <a:r>
+              <a:rPr lang="fr-FR" dirty="0" smtClean="0"/>
+              <a:t>et on la supprime de la grille</a:t>
+            </a:r>
+            <a:r>
+              <a:rPr lang="fr-FR" dirty="0" smtClean="0"/>
+              <a:t>.</a:t>
+            </a:r>
+            <a:r>
+              <a:rPr lang="fr-FR" dirty="0" smtClean="0"/>
+              <a:t> Si </a:t>
+            </a:r>
+            <a:r>
+              <a:rPr lang="fr-FR" dirty="0" smtClean="0"/>
+              <a:t>celle-ci est valide, </a:t>
+            </a:r>
+            <a:r>
+              <a:rPr lang="fr-FR" dirty="0" smtClean="0"/>
+              <a:t>on recommence, </a:t>
+            </a:r>
+            <a:r>
+              <a:rPr lang="fr-FR" dirty="0" smtClean="0"/>
+              <a:t>sinon on réinsère </a:t>
+            </a:r>
+            <a:r>
+              <a:rPr lang="fr-FR" dirty="0" smtClean="0"/>
+              <a:t>la valeur dans </a:t>
+            </a:r>
+            <a:r>
+              <a:rPr lang="fr-FR" dirty="0" smtClean="0"/>
+              <a:t>la grille mais </a:t>
+            </a:r>
+            <a:r>
+              <a:rPr lang="fr-FR" dirty="0" smtClean="0"/>
+              <a:t>pas la case </a:t>
+            </a:r>
+            <a:r>
+              <a:rPr lang="fr-FR" dirty="0" smtClean="0"/>
+              <a:t>dans la liste.</a:t>
             </a:r>
           </a:p>
           <a:p>
